--- a/Workflow.pptx
+++ b/Workflow.pptx
@@ -261,7 +261,7 @@
           <a:p>
             <a:fld id="{0F7BC1C8-2E4A-42A8-A85D-ADA3F754BDB3}" type="datetimeFigureOut">
               <a:rPr lang="en-US" smtClean="0"/>
-              <a:t>11/14/2019</a:t>
+              <a:t>5/6/2020</a:t>
             </a:fld>
             <a:endParaRPr lang="en-US"/>
           </a:p>
@@ -459,7 +459,7 @@
           <a:p>
             <a:fld id="{0F7BC1C8-2E4A-42A8-A85D-ADA3F754BDB3}" type="datetimeFigureOut">
               <a:rPr lang="en-US" smtClean="0"/>
-              <a:t>11/14/2019</a:t>
+              <a:t>5/6/2020</a:t>
             </a:fld>
             <a:endParaRPr lang="en-US"/>
           </a:p>
@@ -667,7 +667,7 @@
           <a:p>
             <a:fld id="{0F7BC1C8-2E4A-42A8-A85D-ADA3F754BDB3}" type="datetimeFigureOut">
               <a:rPr lang="en-US" smtClean="0"/>
-              <a:t>11/14/2019</a:t>
+              <a:t>5/6/2020</a:t>
             </a:fld>
             <a:endParaRPr lang="en-US"/>
           </a:p>
@@ -865,7 +865,7 @@
           <a:p>
             <a:fld id="{0F7BC1C8-2E4A-42A8-A85D-ADA3F754BDB3}" type="datetimeFigureOut">
               <a:rPr lang="en-US" smtClean="0"/>
-              <a:t>11/14/2019</a:t>
+              <a:t>5/6/2020</a:t>
             </a:fld>
             <a:endParaRPr lang="en-US"/>
           </a:p>
@@ -1140,7 +1140,7 @@
           <a:p>
             <a:fld id="{0F7BC1C8-2E4A-42A8-A85D-ADA3F754BDB3}" type="datetimeFigureOut">
               <a:rPr lang="en-US" smtClean="0"/>
-              <a:t>11/14/2019</a:t>
+              <a:t>5/6/2020</a:t>
             </a:fld>
             <a:endParaRPr lang="en-US"/>
           </a:p>
@@ -1405,7 +1405,7 @@
           <a:p>
             <a:fld id="{0F7BC1C8-2E4A-42A8-A85D-ADA3F754BDB3}" type="datetimeFigureOut">
               <a:rPr lang="en-US" smtClean="0"/>
-              <a:t>11/14/2019</a:t>
+              <a:t>5/6/2020</a:t>
             </a:fld>
             <a:endParaRPr lang="en-US"/>
           </a:p>
@@ -1817,7 +1817,7 @@
           <a:p>
             <a:fld id="{0F7BC1C8-2E4A-42A8-A85D-ADA3F754BDB3}" type="datetimeFigureOut">
               <a:rPr lang="en-US" smtClean="0"/>
-              <a:t>11/14/2019</a:t>
+              <a:t>5/6/2020</a:t>
             </a:fld>
             <a:endParaRPr lang="en-US"/>
           </a:p>
@@ -1958,7 +1958,7 @@
           <a:p>
             <a:fld id="{0F7BC1C8-2E4A-42A8-A85D-ADA3F754BDB3}" type="datetimeFigureOut">
               <a:rPr lang="en-US" smtClean="0"/>
-              <a:t>11/14/2019</a:t>
+              <a:t>5/6/2020</a:t>
             </a:fld>
             <a:endParaRPr lang="en-US"/>
           </a:p>
@@ -2071,7 +2071,7 @@
           <a:p>
             <a:fld id="{0F7BC1C8-2E4A-42A8-A85D-ADA3F754BDB3}" type="datetimeFigureOut">
               <a:rPr lang="en-US" smtClean="0"/>
-              <a:t>11/14/2019</a:t>
+              <a:t>5/6/2020</a:t>
             </a:fld>
             <a:endParaRPr lang="en-US"/>
           </a:p>
@@ -2382,7 +2382,7 @@
           <a:p>
             <a:fld id="{0F7BC1C8-2E4A-42A8-A85D-ADA3F754BDB3}" type="datetimeFigureOut">
               <a:rPr lang="en-US" smtClean="0"/>
-              <a:t>11/14/2019</a:t>
+              <a:t>5/6/2020</a:t>
             </a:fld>
             <a:endParaRPr lang="en-US"/>
           </a:p>
@@ -2670,7 +2670,7 @@
           <a:p>
             <a:fld id="{0F7BC1C8-2E4A-42A8-A85D-ADA3F754BDB3}" type="datetimeFigureOut">
               <a:rPr lang="en-US" smtClean="0"/>
-              <a:t>11/14/2019</a:t>
+              <a:t>5/6/2020</a:t>
             </a:fld>
             <a:endParaRPr lang="en-US"/>
           </a:p>
@@ -2911,7 +2911,7 @@
           <a:p>
             <a:fld id="{0F7BC1C8-2E4A-42A8-A85D-ADA3F754BDB3}" type="datetimeFigureOut">
               <a:rPr lang="en-US" smtClean="0"/>
-              <a:t>11/14/2019</a:t>
+              <a:t>5/6/2020</a:t>
             </a:fld>
             <a:endParaRPr lang="en-US"/>
           </a:p>
@@ -4996,23 +4996,7 @@
                   <a:schemeClr val="tx1"/>
                 </a:solidFill>
               </a:rPr>
-              <a:t>Using pandas and </a:t>
-            </a:r>
-            <a:r>
-              <a:rPr lang="en-US" sz="1400" dirty="0" err="1">
-                <a:solidFill>
-                  <a:schemeClr val="tx1"/>
-                </a:solidFill>
-              </a:rPr>
-              <a:t>numpy</a:t>
-            </a:r>
-            <a:r>
-              <a:rPr lang="en-US" sz="1400" dirty="0">
-                <a:solidFill>
-                  <a:schemeClr val="tx1"/>
-                </a:solidFill>
-              </a:rPr>
-              <a:t> string functions we extract the different features</a:t>
+              <a:t>Using pandas and NumPy string functions we extract the different features</a:t>
             </a:r>
           </a:p>
         </p:txBody>
@@ -5127,23 +5111,7 @@
                   <a:schemeClr val="tx1"/>
                 </a:solidFill>
               </a:rPr>
-              <a:t>Using NLTK </a:t>
-            </a:r>
-            <a:r>
-              <a:rPr lang="en-US" sz="1400" dirty="0" err="1">
-                <a:solidFill>
-                  <a:schemeClr val="tx1"/>
-                </a:solidFill>
-              </a:rPr>
-              <a:t>vader</a:t>
-            </a:r>
-            <a:r>
-              <a:rPr lang="en-US" sz="1400" dirty="0">
-                <a:solidFill>
-                  <a:schemeClr val="tx1"/>
-                </a:solidFill>
-              </a:rPr>
-              <a:t> we analyze the sentiment of the place from its description</a:t>
+              <a:t>Using NLTK VADER we analyze the sentiment of the place from its description</a:t>
             </a:r>
           </a:p>
         </p:txBody>
@@ -5938,10 +5906,10 @@
   <a:themeElements>
     <a:clrScheme name="Office">
       <a:dk1>
-        <a:sysClr val="windowText" lastClr="B4B4B4"/>
+        <a:sysClr val="windowText" lastClr="000000"/>
       </a:dk1>
       <a:lt1>
-        <a:sysClr val="window" lastClr="202020"/>
+        <a:sysClr val="window" lastClr="FFFFFF"/>
       </a:lt1>
       <a:dk2>
         <a:srgbClr val="44546A"/>
